--- a/Home Credit Loan Default rate.pptx
+++ b/Home Credit Loan Default rate.pptx
@@ -11,8 +11,8 @@
     <p:sldId id="256" r:id="rId2"/>
     <p:sldId id="260" r:id="rId3"/>
     <p:sldId id="263" r:id="rId4"/>
-    <p:sldId id="257" r:id="rId5"/>
-    <p:sldId id="258" r:id="rId6"/>
+    <p:sldId id="266" r:id="rId5"/>
+    <p:sldId id="257" r:id="rId6"/>
     <p:sldId id="261" r:id="rId7"/>
     <p:sldId id="264" r:id="rId8"/>
     <p:sldId id="265" r:id="rId9"/>
@@ -122,8 +122,8 @@
             <p14:sldId id="256"/>
             <p14:sldId id="260"/>
             <p14:sldId id="263"/>
+            <p14:sldId id="266"/>
             <p14:sldId id="257"/>
-            <p14:sldId id="258"/>
             <p14:sldId id="261"/>
             <p14:sldId id="264"/>
             <p14:sldId id="265"/>
@@ -220,7 +220,7 @@
           <a:p>
             <a:fld id="{3704A6CF-09A0-4C44-A72C-2BF61D134250}" type="datetimeFigureOut">
               <a:rPr lang="en-US" smtClean="0"/>
-              <a:t>3/22/22</a:t>
+              <a:t>3/23/22</a:t>
             </a:fld>
             <a:endParaRPr lang="en-US"/>
           </a:p>
@@ -718,7 +718,7 @@
           <a:p>
             <a:fld id="{4F5EF78B-4586-1446-8167-A6091BE79164}" type="datetimeFigureOut">
               <a:rPr lang="en-US" smtClean="0"/>
-              <a:t>3/22/22</a:t>
+              <a:t>3/23/22</a:t>
             </a:fld>
             <a:endParaRPr lang="en-US"/>
           </a:p>
@@ -916,7 +916,7 @@
           <a:p>
             <a:fld id="{4F5EF78B-4586-1446-8167-A6091BE79164}" type="datetimeFigureOut">
               <a:rPr lang="en-US" smtClean="0"/>
-              <a:t>3/22/22</a:t>
+              <a:t>3/23/22</a:t>
             </a:fld>
             <a:endParaRPr lang="en-US"/>
           </a:p>
@@ -1124,7 +1124,7 @@
           <a:p>
             <a:fld id="{4F5EF78B-4586-1446-8167-A6091BE79164}" type="datetimeFigureOut">
               <a:rPr lang="en-US" smtClean="0"/>
-              <a:t>3/22/22</a:t>
+              <a:t>3/23/22</a:t>
             </a:fld>
             <a:endParaRPr lang="en-US"/>
           </a:p>
@@ -1322,7 +1322,7 @@
           <a:p>
             <a:fld id="{4F5EF78B-4586-1446-8167-A6091BE79164}" type="datetimeFigureOut">
               <a:rPr lang="en-US" smtClean="0"/>
-              <a:t>3/22/22</a:t>
+              <a:t>3/23/22</a:t>
             </a:fld>
             <a:endParaRPr lang="en-US"/>
           </a:p>
@@ -1597,7 +1597,7 @@
           <a:p>
             <a:fld id="{4F5EF78B-4586-1446-8167-A6091BE79164}" type="datetimeFigureOut">
               <a:rPr lang="en-US" smtClean="0"/>
-              <a:t>3/22/22</a:t>
+              <a:t>3/23/22</a:t>
             </a:fld>
             <a:endParaRPr lang="en-US"/>
           </a:p>
@@ -1862,7 +1862,7 @@
           <a:p>
             <a:fld id="{4F5EF78B-4586-1446-8167-A6091BE79164}" type="datetimeFigureOut">
               <a:rPr lang="en-US" smtClean="0"/>
-              <a:t>3/22/22</a:t>
+              <a:t>3/23/22</a:t>
             </a:fld>
             <a:endParaRPr lang="en-US"/>
           </a:p>
@@ -2274,7 +2274,7 @@
           <a:p>
             <a:fld id="{4F5EF78B-4586-1446-8167-A6091BE79164}" type="datetimeFigureOut">
               <a:rPr lang="en-US" smtClean="0"/>
-              <a:t>3/22/22</a:t>
+              <a:t>3/23/22</a:t>
             </a:fld>
             <a:endParaRPr lang="en-US"/>
           </a:p>
@@ -2415,7 +2415,7 @@
           <a:p>
             <a:fld id="{4F5EF78B-4586-1446-8167-A6091BE79164}" type="datetimeFigureOut">
               <a:rPr lang="en-US" smtClean="0"/>
-              <a:t>3/22/22</a:t>
+              <a:t>3/23/22</a:t>
             </a:fld>
             <a:endParaRPr lang="en-US"/>
           </a:p>
@@ -2528,7 +2528,7 @@
           <a:p>
             <a:fld id="{4F5EF78B-4586-1446-8167-A6091BE79164}" type="datetimeFigureOut">
               <a:rPr lang="en-US" smtClean="0"/>
-              <a:t>3/22/22</a:t>
+              <a:t>3/23/22</a:t>
             </a:fld>
             <a:endParaRPr lang="en-US"/>
           </a:p>
@@ -2839,7 +2839,7 @@
           <a:p>
             <a:fld id="{4F5EF78B-4586-1446-8167-A6091BE79164}" type="datetimeFigureOut">
               <a:rPr lang="en-US" smtClean="0"/>
-              <a:t>3/22/22</a:t>
+              <a:t>3/23/22</a:t>
             </a:fld>
             <a:endParaRPr lang="en-US"/>
           </a:p>
@@ -3127,7 +3127,7 @@
           <a:p>
             <a:fld id="{4F5EF78B-4586-1446-8167-A6091BE79164}" type="datetimeFigureOut">
               <a:rPr lang="en-US" smtClean="0"/>
-              <a:t>3/22/22</a:t>
+              <a:t>3/23/22</a:t>
             </a:fld>
             <a:endParaRPr lang="en-US"/>
           </a:p>
@@ -3368,7 +3368,7 @@
           <a:p>
             <a:fld id="{4F5EF78B-4586-1446-8167-A6091BE79164}" type="datetimeFigureOut">
               <a:rPr lang="en-US" smtClean="0"/>
-              <a:t>3/22/22</a:t>
+              <a:t>3/23/22</a:t>
             </a:fld>
             <a:endParaRPr lang="en-US"/>
           </a:p>
@@ -5175,35 +5175,6 @@
           </a:prstGeom>
         </p:spPr>
       </p:pic>
-      <p:pic>
-        <p:nvPicPr>
-          <p:cNvPr id="4" name="Picture 3" descr="Chart&#10;&#10;Description automatically generated">
-            <a:extLst>
-              <a:ext uri="{FF2B5EF4-FFF2-40B4-BE49-F238E27FC236}">
-                <a16:creationId xmlns:a16="http://schemas.microsoft.com/office/drawing/2014/main" id="{CADCBCC0-2651-BC43-9BFB-88B2B70D902C}"/>
-              </a:ext>
-            </a:extLst>
-          </p:cNvPr>
-          <p:cNvPicPr>
-            <a:picLocks noChangeAspect="1"/>
-          </p:cNvPicPr>
-          <p:nvPr/>
-        </p:nvPicPr>
-        <p:blipFill rotWithShape="1">
-          <a:blip r:embed="rId3"/>
-          <a:srcRect b="4838"/>
-          <a:stretch/>
-        </p:blipFill>
-        <p:spPr>
-          <a:xfrm>
-            <a:off x="6297264" y="364142"/>
-            <a:ext cx="5136795" cy="3426462"/>
-          </a:xfrm>
-          <a:prstGeom prst="rect">
-            <a:avLst/>
-          </a:prstGeom>
-        </p:spPr>
-      </p:pic>
       <p:sp>
         <p:nvSpPr>
           <p:cNvPr id="20" name="Rectangle 19">
@@ -5322,14 +5293,14 @@
               <a:buChar char="•"/>
             </a:pPr>
             <a:r>
-              <a:rPr lang="en-US" sz="1000" b="1" dirty="0">
+              <a:rPr lang="en-US" sz="1400" b="1" dirty="0">
                 <a:solidFill>
                   <a:schemeClr val="tx1"/>
                 </a:solidFill>
               </a:rPr>
-              <a:t>Demographic information</a:t>
-            </a:r>
-            <a:endParaRPr lang="en-US" sz="1000" dirty="0">
+              <a:t>Some important features</a:t>
+            </a:r>
+            <a:endParaRPr lang="en-US" sz="1400" dirty="0">
               <a:solidFill>
                 <a:schemeClr val="tx1"/>
               </a:solidFill>
@@ -5347,12 +5318,12 @@
               <a:buChar char="•"/>
             </a:pPr>
             <a:r>
-              <a:rPr lang="en-US" sz="1000" dirty="0">
+              <a:rPr lang="en-US" sz="1200" dirty="0">
                 <a:solidFill>
                   <a:schemeClr val="tx1"/>
                 </a:solidFill>
               </a:rPr>
-              <a:t>Age</a:t>
+              <a:t>A feature engineered using KNN</a:t>
             </a:r>
           </a:p>
           <a:p>
@@ -5367,12 +5338,12 @@
               <a:buChar char="•"/>
             </a:pPr>
             <a:r>
-              <a:rPr lang="en-US" sz="1000" dirty="0">
+              <a:rPr lang="en-US" sz="1200" dirty="0">
                 <a:solidFill>
                   <a:schemeClr val="tx1"/>
                 </a:solidFill>
               </a:rPr>
-              <a:t>Income</a:t>
+              <a:t>Credit score</a:t>
             </a:r>
           </a:p>
           <a:p>
@@ -5387,12 +5358,12 @@
               <a:buChar char="•"/>
             </a:pPr>
             <a:r>
-              <a:rPr lang="en-US" sz="1000" dirty="0">
+              <a:rPr lang="en-US" sz="1200" dirty="0">
                 <a:solidFill>
                   <a:schemeClr val="tx1"/>
                 </a:solidFill>
               </a:rPr>
-              <a:t>Professional experience year</a:t>
+              <a:t>Debt/Credit rate</a:t>
             </a:r>
           </a:p>
           <a:p>
@@ -5407,12 +5378,12 @@
               <a:buChar char="•"/>
             </a:pPr>
             <a:r>
-              <a:rPr lang="en-US" sz="1000" dirty="0">
+              <a:rPr lang="en-US" sz="1200" dirty="0">
                 <a:solidFill>
                   <a:schemeClr val="tx1"/>
                 </a:solidFill>
               </a:rPr>
-              <a:t>Family Number</a:t>
+              <a:t>Age</a:t>
             </a:r>
           </a:p>
           <a:p>
@@ -5427,12 +5398,12 @@
               <a:buChar char="•"/>
             </a:pPr>
             <a:r>
-              <a:rPr lang="en-US" sz="1000" dirty="0">
+              <a:rPr lang="en-US" sz="1200" dirty="0">
                 <a:solidFill>
                   <a:schemeClr val="tx1"/>
                 </a:solidFill>
               </a:rPr>
-              <a:t>Education Level</a:t>
+              <a:t>Professional Experience</a:t>
             </a:r>
           </a:p>
           <a:p>
@@ -5447,16 +5418,51 @@
               <a:buChar char="•"/>
             </a:pPr>
             <a:r>
-              <a:rPr lang="en-US" sz="1000" dirty="0">
+              <a:rPr lang="en-US" sz="1200" dirty="0">
                 <a:solidFill>
                   <a:schemeClr val="tx1"/>
                 </a:solidFill>
               </a:rPr>
-              <a:t>Average Spending on Credit Card</a:t>
-            </a:r>
-          </a:p>
-        </p:txBody>
-      </p:sp>
+              <a:t>Credit/Annuity rate</a:t>
+            </a:r>
+            <a:endParaRPr lang="en-US" sz="900" dirty="0">
+              <a:solidFill>
+                <a:schemeClr val="tx1"/>
+              </a:solidFill>
+            </a:endParaRPr>
+          </a:p>
+        </p:txBody>
+      </p:sp>
+      <p:pic>
+        <p:nvPicPr>
+          <p:cNvPr id="6" name="Picture 5" descr="A picture containing graphical user interface&#10;&#10;Description automatically generated">
+            <a:extLst>
+              <a:ext uri="{FF2B5EF4-FFF2-40B4-BE49-F238E27FC236}">
+                <a16:creationId xmlns:a16="http://schemas.microsoft.com/office/drawing/2014/main" id="{1C12FBCC-9421-8449-86BE-A744E0B3D16E}"/>
+              </a:ext>
+            </a:extLst>
+          </p:cNvPr>
+          <p:cNvPicPr>
+            <a:picLocks noChangeAspect="1"/>
+          </p:cNvPicPr>
+          <p:nvPr/>
+        </p:nvPicPr>
+        <p:blipFill>
+          <a:blip r:embed="rId3"/>
+          <a:stretch>
+            <a:fillRect/>
+          </a:stretch>
+        </p:blipFill>
+        <p:spPr>
+          <a:xfrm>
+            <a:off x="6095999" y="258762"/>
+            <a:ext cx="5384800" cy="3670300"/>
+          </a:xfrm>
+          <a:prstGeom prst="rect">
+            <a:avLst/>
+          </a:prstGeom>
+        </p:spPr>
+      </p:pic>
     </p:spTree>
     <p:extLst>
       <p:ext uri="{BB962C8B-B14F-4D97-AF65-F5344CB8AC3E}">
@@ -5501,53 +5507,70 @@
         </p:nvSpPr>
         <p:spPr>
           <a:xfrm>
-            <a:off x="371474" y="142875"/>
-            <a:ext cx="11058525" cy="400110"/>
-          </a:xfrm>
-          <a:prstGeom prst="rect">
-            <a:avLst/>
-          </a:prstGeom>
-          <a:noFill/>
-        </p:spPr>
-        <p:txBody>
-          <a:bodyPr wrap="square" rtlCol="0">
-            <a:spAutoFit/>
-          </a:bodyPr>
-          <a:lstStyle/>
-          <a:p>
-            <a:r>
-              <a:rPr lang="en-US" sz="2000" b="1" i="1" dirty="0"/>
-              <a:t>Candidate model Cross Validation Result – Scoring Metrics ROC AUC</a:t>
-            </a:r>
-          </a:p>
-        </p:txBody>
-      </p:sp>
-      <p:sp>
-        <p:nvSpPr>
-          <p:cNvPr id="17" name="Content Placeholder 2">
-            <a:extLst>
-              <a:ext uri="{FF2B5EF4-FFF2-40B4-BE49-F238E27FC236}">
-                <a16:creationId xmlns:a16="http://schemas.microsoft.com/office/drawing/2014/main" id="{060945EF-F6D0-2141-AC10-E37218738821}"/>
-              </a:ext>
-            </a:extLst>
-          </p:cNvPr>
-          <p:cNvSpPr txBox="1">
-            <a:spLocks/>
-          </p:cNvSpPr>
-          <p:nvPr/>
-        </p:nvSpPr>
-        <p:spPr>
-          <a:xfrm>
-            <a:off x="755073" y="1374938"/>
-            <a:ext cx="4006931" cy="1760147"/>
+            <a:off x="643467" y="321734"/>
+            <a:ext cx="10905066" cy="1135737"/>
           </a:xfrm>
           <a:prstGeom prst="rect">
             <a:avLst/>
           </a:prstGeom>
         </p:spPr>
         <p:txBody>
+          <a:bodyPr vert="horz" lIns="91440" tIns="45720" rIns="91440" bIns="45720" rtlCol="0" anchor="ctr">
+            <a:normAutofit/>
+          </a:bodyPr>
+          <a:lstStyle/>
+          <a:p>
+            <a:pPr>
+              <a:lnSpc>
+                <a:spcPct val="90000"/>
+              </a:lnSpc>
+              <a:spcBef>
+                <a:spcPct val="0"/>
+              </a:spcBef>
+              <a:spcAft>
+                <a:spcPts val="600"/>
+              </a:spcAft>
+            </a:pPr>
+            <a:r>
+              <a:rPr lang="en-US" sz="3600" b="1" i="1" kern="1200" dirty="0">
+                <a:solidFill>
+                  <a:schemeClr val="tx1"/>
+                </a:solidFill>
+                <a:latin typeface="+mj-lt"/>
+                <a:ea typeface="+mj-ea"/>
+                <a:cs typeface="+mj-cs"/>
+              </a:rPr>
+              <a:t>Feature Engineering</a:t>
+            </a:r>
+          </a:p>
+        </p:txBody>
+      </p:sp>
+      <p:sp>
+        <p:nvSpPr>
+          <p:cNvPr id="17" name="Content Placeholder 2">
+            <a:extLst>
+              <a:ext uri="{FF2B5EF4-FFF2-40B4-BE49-F238E27FC236}">
+                <a16:creationId xmlns:a16="http://schemas.microsoft.com/office/drawing/2014/main" id="{060945EF-F6D0-2141-AC10-E37218738821}"/>
+              </a:ext>
+            </a:extLst>
+          </p:cNvPr>
+          <p:cNvSpPr txBox="1">
+            <a:spLocks/>
+          </p:cNvSpPr>
+          <p:nvPr/>
+        </p:nvSpPr>
+        <p:spPr>
+          <a:xfrm>
+            <a:off x="643467" y="1818607"/>
+            <a:ext cx="4985435" cy="4393982"/>
+          </a:xfrm>
+          <a:prstGeom prst="rect">
+            <a:avLst/>
+          </a:prstGeom>
+        </p:spPr>
+        <p:txBody>
           <a:bodyPr vert="horz" lIns="91440" tIns="45720" rIns="91440" bIns="45720" rtlCol="0">
-            <a:normAutofit fontScale="47500" lnSpcReduction="20000"/>
+            <a:normAutofit/>
           </a:bodyPr>
           <a:lstStyle>
             <a:lvl1pPr marL="228600" indent="-228600" algn="l" defTabSz="914400" rtl="0" eaLnBrk="1" latinLnBrk="0" hangingPunct="1">
@@ -5715,160 +5738,216 @@
           </a:lstStyle>
           <a:p>
             <a:r>
-              <a:rPr lang="en-US" sz="3600" b="1" dirty="0"/>
-              <a:t>Candidate Models score:</a:t>
-            </a:r>
-          </a:p>
-          <a:p>
-            <a:pPr lvl="1">
-              <a:buFont typeface="Courier New" panose="02070309020205020404" pitchFamily="49" charset="0"/>
-              <a:buChar char="o"/>
-            </a:pPr>
-            <a:r>
-              <a:rPr lang="en-US" sz="3300" dirty="0"/>
-              <a:t>Logistic Regression: </a:t>
-            </a:r>
-            <a:r>
-              <a:rPr lang="en-US" altLang="zh-CN" sz="3300" dirty="0"/>
-              <a:t>0.587</a:t>
-            </a:r>
-            <a:endParaRPr lang="en-US" sz="3300" dirty="0"/>
-          </a:p>
-          <a:p>
-            <a:pPr lvl="1">
-              <a:buFont typeface="Courier New" panose="02070309020205020404" pitchFamily="49" charset="0"/>
-              <a:buChar char="o"/>
-            </a:pPr>
-            <a:r>
-              <a:rPr lang="en-US" sz="3300" dirty="0"/>
-              <a:t>Random Forest</a:t>
-            </a:r>
-            <a:r>
-              <a:rPr lang="zh-CN" altLang="en-US" sz="3300" dirty="0"/>
-              <a:t> </a:t>
-            </a:r>
-            <a:r>
-              <a:rPr lang="en-US" altLang="zh-CN" sz="3300" dirty="0"/>
-              <a:t>(</a:t>
-            </a:r>
-            <a:r>
-              <a:rPr lang="en-US" altLang="zh-CN" sz="3300" b="1" dirty="0">
-                <a:solidFill>
-                  <a:schemeClr val="accent2"/>
-                </a:solidFill>
-              </a:rPr>
-              <a:t>Selected</a:t>
-            </a:r>
-            <a:r>
-              <a:rPr lang="en-US" altLang="zh-CN" sz="3300" dirty="0"/>
-              <a:t>)</a:t>
-            </a:r>
-            <a:r>
-              <a:rPr lang="en-US" sz="3300" dirty="0"/>
-              <a:t>: </a:t>
-            </a:r>
-            <a:r>
-              <a:rPr lang="en-US" altLang="zh-CN" sz="3300" dirty="0"/>
-              <a:t>0.713</a:t>
-            </a:r>
-            <a:endParaRPr lang="en-US" sz="3300" dirty="0"/>
-          </a:p>
-          <a:p>
-            <a:pPr lvl="1">
-              <a:buFont typeface="Courier New" panose="02070309020205020404" pitchFamily="49" charset="0"/>
-              <a:buChar char="o"/>
-            </a:pPr>
-            <a:r>
-              <a:rPr lang="en-US" sz="3300" dirty="0"/>
-              <a:t>Gradient Boost:</a:t>
-            </a:r>
-            <a:r>
-              <a:rPr lang="zh-CN" altLang="en-US" sz="3300" dirty="0"/>
-              <a:t> </a:t>
-            </a:r>
-            <a:r>
-              <a:rPr lang="en-US" altLang="zh-CN" sz="3300" dirty="0"/>
-              <a:t>0.699</a:t>
-            </a:r>
-          </a:p>
-          <a:p>
-            <a:pPr marL="457200" lvl="1" indent="0">
-              <a:buNone/>
-            </a:pPr>
-            <a:endParaRPr lang="en-US" sz="1900" dirty="0"/>
-          </a:p>
-          <a:p>
-            <a:r>
-              <a:rPr lang="en-US" sz="3600" b="1" dirty="0"/>
-              <a:t>Random Forest Model score on test dataset: </a:t>
-            </a:r>
-            <a:r>
-              <a:rPr lang="en-US" sz="3800" dirty="0"/>
-              <a:t>0.712</a:t>
-            </a:r>
-          </a:p>
-          <a:p>
-            <a:endParaRPr lang="en-US" dirty="0"/>
+              <a:rPr lang="en-US" sz="2000" b="1" dirty="0"/>
+              <a:t>500 neighborhood feature engineering: </a:t>
+            </a:r>
+          </a:p>
+          <a:p>
+            <a:pPr lvl="1"/>
+            <a:r>
+              <a:rPr lang="en-US" sz="1800" dirty="0"/>
+              <a:t>calculate the average default rate of 500 nearest points based on distance calculated from credit score and annuity rate.</a:t>
+            </a:r>
+          </a:p>
+          <a:p>
+            <a:r>
+              <a:rPr lang="en-US" sz="2000" b="1" dirty="0"/>
+              <a:t>Credit Annuity Rate: </a:t>
+            </a:r>
+          </a:p>
+          <a:p>
+            <a:pPr lvl="1"/>
+            <a:r>
+              <a:rPr lang="en-US" sz="1800" dirty="0"/>
+              <a:t>credit amount/annuity amount</a:t>
+            </a:r>
+          </a:p>
+          <a:p>
+            <a:r>
+              <a:rPr lang="en-US" sz="2000" b="1" dirty="0"/>
+              <a:t>Educational Level: </a:t>
+            </a:r>
+          </a:p>
+          <a:p>
+            <a:pPr lvl="1"/>
+            <a:r>
+              <a:rPr lang="en-US" sz="1800" dirty="0"/>
+              <a:t>Change from categorical feature to ordinal feature</a:t>
+            </a:r>
+          </a:p>
+          <a:p>
+            <a:r>
+              <a:rPr lang="en-US" sz="2000" b="1" dirty="0"/>
+              <a:t>Region population relative level</a:t>
+            </a:r>
+            <a:endParaRPr lang="en-US" sz="1800" dirty="0"/>
+          </a:p>
+          <a:p>
+            <a:endParaRPr lang="en-US" sz="2000" dirty="0"/>
           </a:p>
         </p:txBody>
       </p:sp>
       <p:pic>
         <p:nvPicPr>
-          <p:cNvPr id="1026" name="Picture 2">
-            <a:extLst>
-              <a:ext uri="{FF2B5EF4-FFF2-40B4-BE49-F238E27FC236}">
-                <a16:creationId xmlns:a16="http://schemas.microsoft.com/office/drawing/2014/main" id="{4C8BB611-A928-474A-BB8A-DDD08878D5B7}"/>
+          <p:cNvPr id="4" name="Picture 3" descr="Chart&#10;&#10;Description automatically generated with medium confidence">
+            <a:extLst>
+              <a:ext uri="{FF2B5EF4-FFF2-40B4-BE49-F238E27FC236}">
+                <a16:creationId xmlns:a16="http://schemas.microsoft.com/office/drawing/2014/main" id="{8D7F3D81-3A0E-8B4B-A23E-B3F4D5F5BCE3}"/>
               </a:ext>
             </a:extLst>
           </p:cNvPr>
           <p:cNvPicPr>
-            <a:picLocks noChangeAspect="1" noChangeArrowheads="1"/>
+            <a:picLocks noChangeAspect="1"/>
           </p:cNvPicPr>
           <p:nvPr/>
         </p:nvPicPr>
         <p:blipFill>
-          <a:blip r:embed="rId2">
-            <a:extLst>
-              <a:ext uri="{28A0092B-C50C-407E-A947-70E740481C1C}">
-                <a14:useLocalDpi xmlns:a14="http://schemas.microsoft.com/office/drawing/2010/main" val="0"/>
-              </a:ext>
-            </a:extLst>
-          </a:blip>
-          <a:srcRect/>
+          <a:blip r:embed="rId2"/>
           <a:stretch>
             <a:fillRect/>
           </a:stretch>
         </p:blipFill>
-        <p:spPr bwMode="auto">
+        <p:spPr>
           <a:xfrm>
-            <a:off x="5109423" y="1127604"/>
-            <a:ext cx="4641149" cy="4602792"/>
+            <a:off x="6387515" y="914400"/>
+            <a:ext cx="4693920" cy="5029200"/>
           </a:xfrm>
           <a:prstGeom prst="rect">
             <a:avLst/>
           </a:prstGeom>
-          <a:noFill/>
-          <a:extLst>
-            <a:ext uri="{909E8E84-426E-40DD-AFC4-6F175D3DCCD1}">
-              <a14:hiddenFill xmlns:a14="http://schemas.microsoft.com/office/drawing/2010/main">
-                <a:solidFill>
-                  <a:srgbClr val="FFFFFF"/>
-                </a:solidFill>
-              </a14:hiddenFill>
-            </a:ext>
-          </a:extLst>
         </p:spPr>
       </p:pic>
     </p:spTree>
     <p:extLst>
       <p:ext uri="{BB962C8B-B14F-4D97-AF65-F5344CB8AC3E}">
-        <p14:creationId xmlns:p14="http://schemas.microsoft.com/office/powerpoint/2010/main" val="1691981680"/>
+        <p14:creationId xmlns:p14="http://schemas.microsoft.com/office/powerpoint/2010/main" val="3175379784"/>
       </p:ext>
     </p:extLst>
   </p:cSld>
   <p:clrMapOvr>
     <a:masterClrMapping/>
   </p:clrMapOvr>
+  <p:timing>
+    <p:tnLst>
+      <p:par>
+        <p:cTn id="1" dur="indefinite" restart="never" nodeType="tmRoot">
+          <p:childTnLst>
+            <p:seq concurrent="1" nextAc="seek">
+              <p:cTn id="2" dur="indefinite" nodeType="mainSeq">
+                <p:childTnLst>
+                  <p:par>
+                    <p:cTn id="3" fill="hold">
+                      <p:stCondLst>
+                        <p:cond delay="indefinite"/>
+                      </p:stCondLst>
+                      <p:childTnLst>
+                        <p:par>
+                          <p:cTn id="4" fill="hold">
+                            <p:stCondLst>
+                              <p:cond delay="0"/>
+                            </p:stCondLst>
+                            <p:childTnLst>
+                              <p:par>
+                                <p:cTn id="5" presetID="2" presetClass="entr" presetSubtype="4" fill="hold" nodeType="clickEffect">
+                                  <p:stCondLst>
+                                    <p:cond delay="0"/>
+                                  </p:stCondLst>
+                                  <p:childTnLst>
+                                    <p:set>
+                                      <p:cBhvr>
+                                        <p:cTn id="6" dur="1" fill="hold">
+                                          <p:stCondLst>
+                                            <p:cond delay="0"/>
+                                          </p:stCondLst>
+                                        </p:cTn>
+                                        <p:tgtEl>
+                                          <p:spTgt spid="4"/>
+                                        </p:tgtEl>
+                                        <p:attrNameLst>
+                                          <p:attrName>style.visibility</p:attrName>
+                                        </p:attrNameLst>
+                                      </p:cBhvr>
+                                      <p:to>
+                                        <p:strVal val="visible"/>
+                                      </p:to>
+                                    </p:set>
+                                    <p:anim calcmode="lin" valueType="num">
+                                      <p:cBhvr additive="base">
+                                        <p:cTn id="7" dur="500" fill="hold"/>
+                                        <p:tgtEl>
+                                          <p:spTgt spid="4"/>
+                                        </p:tgtEl>
+                                        <p:attrNameLst>
+                                          <p:attrName>ppt_x</p:attrName>
+                                        </p:attrNameLst>
+                                      </p:cBhvr>
+                                      <p:tavLst>
+                                        <p:tav tm="0">
+                                          <p:val>
+                                            <p:strVal val="#ppt_x"/>
+                                          </p:val>
+                                        </p:tav>
+                                        <p:tav tm="100000">
+                                          <p:val>
+                                            <p:strVal val="#ppt_x"/>
+                                          </p:val>
+                                        </p:tav>
+                                      </p:tavLst>
+                                    </p:anim>
+                                    <p:anim calcmode="lin" valueType="num">
+                                      <p:cBhvr additive="base">
+                                        <p:cTn id="8" dur="500" fill="hold"/>
+                                        <p:tgtEl>
+                                          <p:spTgt spid="4"/>
+                                        </p:tgtEl>
+                                        <p:attrNameLst>
+                                          <p:attrName>ppt_y</p:attrName>
+                                        </p:attrNameLst>
+                                      </p:cBhvr>
+                                      <p:tavLst>
+                                        <p:tav tm="0">
+                                          <p:val>
+                                            <p:strVal val="1+#ppt_h/2"/>
+                                          </p:val>
+                                        </p:tav>
+                                        <p:tav tm="100000">
+                                          <p:val>
+                                            <p:strVal val="#ppt_y"/>
+                                          </p:val>
+                                        </p:tav>
+                                      </p:tavLst>
+                                    </p:anim>
+                                  </p:childTnLst>
+                                </p:cTn>
+                              </p:par>
+                            </p:childTnLst>
+                          </p:cTn>
+                        </p:par>
+                      </p:childTnLst>
+                    </p:cTn>
+                  </p:par>
+                </p:childTnLst>
+              </p:cTn>
+              <p:prevCondLst>
+                <p:cond evt="onPrev" delay="0">
+                  <p:tgtEl>
+                    <p:sldTgt/>
+                  </p:tgtEl>
+                </p:cond>
+              </p:prevCondLst>
+              <p:nextCondLst>
+                <p:cond evt="onNext" delay="0">
+                  <p:tgtEl>
+                    <p:sldTgt/>
+                  </p:tgtEl>
+                </p:cond>
+              </p:nextCondLst>
+            </p:seq>
+          </p:childTnLst>
+        </p:cTn>
+      </p:par>
+    </p:tnLst>
+  </p:timing>
 </p:sld>
 </file>
 
@@ -5899,10 +5978,10 @@
       </p:grpSpPr>
       <p:sp>
         <p:nvSpPr>
-          <p:cNvPr id="19" name="Rectangle 18">
-            <a:extLst>
-              <a:ext uri="{FF2B5EF4-FFF2-40B4-BE49-F238E27FC236}">
-                <a16:creationId xmlns:a16="http://schemas.microsoft.com/office/drawing/2014/main" id="{A9F529C3-C941-49FD-8C67-82F134F64BDB}"/>
+          <p:cNvPr id="47" name="Rectangle 41">
+            <a:extLst>
+              <a:ext uri="{FF2B5EF4-FFF2-40B4-BE49-F238E27FC236}">
+                <a16:creationId xmlns:a16="http://schemas.microsoft.com/office/drawing/2014/main" id="{2B566528-1B12-4246-9431-5C2D7D081168}"/>
               </a:ext>
               <a:ext uri="{C183D7F6-B498-43B3-948B-1728B52AA6E4}">
                 <adec:decorative xmlns:adec="http://schemas.microsoft.com/office/drawing/2017/decorative" val="1"/>
@@ -5929,11 +6008,7 @@
             <a:avLst/>
           </a:prstGeom>
           <a:solidFill>
-            <a:schemeClr val="tx1">
-              <a:lumMod val="50000"/>
-              <a:lumOff val="50000"/>
-              <a:alpha val="30000"/>
-            </a:schemeClr>
+            <a:schemeClr val="bg1"/>
           </a:solidFill>
           <a:ln>
             <a:noFill/>
@@ -5960,25 +6035,384 @@
           <a:lstStyle/>
           <a:p>
             <a:pPr algn="ctr"/>
-            <a:endParaRPr lang="en-US"/>
-          </a:p>
-        </p:txBody>
-      </p:sp>
-      <p:sp>
-        <p:nvSpPr>
-          <p:cNvPr id="21" name="Rectangle 20">
-            <a:extLst>
-              <a:ext uri="{FF2B5EF4-FFF2-40B4-BE49-F238E27FC236}">
-                <a16:creationId xmlns:a16="http://schemas.microsoft.com/office/drawing/2014/main" id="{20586029-32A0-47E5-9AEC-AE3ABA6B94D0}"/>
+            <a:endParaRPr lang="en-US" dirty="0"/>
+          </a:p>
+        </p:txBody>
+      </p:sp>
+      <p:sp>
+        <p:nvSpPr>
+          <p:cNvPr id="9" name="TextBox 8">
+            <a:extLst>
+              <a:ext uri="{FF2B5EF4-FFF2-40B4-BE49-F238E27FC236}">
+                <a16:creationId xmlns:a16="http://schemas.microsoft.com/office/drawing/2014/main" id="{C7BA4DB4-99AE-7B49-B754-7FAE226EC7B5}"/>
+              </a:ext>
+            </a:extLst>
+          </p:cNvPr>
+          <p:cNvSpPr txBox="1"/>
+          <p:nvPr/>
+        </p:nvSpPr>
+        <p:spPr>
+          <a:xfrm>
+            <a:off x="643467" y="321734"/>
+            <a:ext cx="10905066" cy="1135737"/>
+          </a:xfrm>
+          <a:prstGeom prst="rect">
+            <a:avLst/>
+          </a:prstGeom>
+        </p:spPr>
+        <p:txBody>
+          <a:bodyPr vert="horz" lIns="91440" tIns="45720" rIns="91440" bIns="45720" rtlCol="0" anchor="ctr">
+            <a:normAutofit/>
+          </a:bodyPr>
+          <a:lstStyle/>
+          <a:p>
+            <a:pPr>
+              <a:lnSpc>
+                <a:spcPct val="90000"/>
+              </a:lnSpc>
+              <a:spcBef>
+                <a:spcPct val="0"/>
+              </a:spcBef>
+              <a:spcAft>
+                <a:spcPts val="600"/>
+              </a:spcAft>
+            </a:pPr>
+            <a:r>
+              <a:rPr lang="en-US" sz="3600" b="1" i="1" kern="1200">
+                <a:solidFill>
+                  <a:schemeClr val="tx1"/>
+                </a:solidFill>
+                <a:latin typeface="+mj-lt"/>
+                <a:ea typeface="+mj-ea"/>
+                <a:cs typeface="+mj-cs"/>
+              </a:rPr>
+              <a:t>Candidate model Cross Validation Result – Scoring Metrics ROC AUC</a:t>
+            </a:r>
+          </a:p>
+        </p:txBody>
+      </p:sp>
+      <p:sp>
+        <p:nvSpPr>
+          <p:cNvPr id="17" name="Content Placeholder 2">
+            <a:extLst>
+              <a:ext uri="{FF2B5EF4-FFF2-40B4-BE49-F238E27FC236}">
+                <a16:creationId xmlns:a16="http://schemas.microsoft.com/office/drawing/2014/main" id="{060945EF-F6D0-2141-AC10-E37218738821}"/>
+              </a:ext>
+            </a:extLst>
+          </p:cNvPr>
+          <p:cNvSpPr txBox="1">
+            <a:spLocks/>
+          </p:cNvSpPr>
+          <p:nvPr/>
+        </p:nvSpPr>
+        <p:spPr>
+          <a:xfrm>
+            <a:off x="643469" y="1782981"/>
+            <a:ext cx="4008384" cy="4393982"/>
+          </a:xfrm>
+          <a:prstGeom prst="rect">
+            <a:avLst/>
+          </a:prstGeom>
+        </p:spPr>
+        <p:txBody>
+          <a:bodyPr vert="horz" lIns="91440" tIns="45720" rIns="91440" bIns="45720" rtlCol="0">
+            <a:normAutofit/>
+          </a:bodyPr>
+          <a:lstStyle>
+            <a:lvl1pPr marL="228600" indent="-228600" algn="l" defTabSz="914400" rtl="0" eaLnBrk="1" latinLnBrk="0" hangingPunct="1">
+              <a:lnSpc>
+                <a:spcPct val="90000"/>
+              </a:lnSpc>
+              <a:spcBef>
+                <a:spcPts val="1000"/>
+              </a:spcBef>
+              <a:buFont typeface="Arial" panose="020B0604020202020204" pitchFamily="34" charset="0"/>
+              <a:buChar char="•"/>
+              <a:defRPr sz="2800" kern="1200">
+                <a:solidFill>
+                  <a:schemeClr val="tx1"/>
+                </a:solidFill>
+                <a:latin typeface="+mn-lt"/>
+                <a:ea typeface="+mn-ea"/>
+                <a:cs typeface="+mn-cs"/>
+              </a:defRPr>
+            </a:lvl1pPr>
+            <a:lvl2pPr marL="685800" indent="-228600" algn="l" defTabSz="914400" rtl="0" eaLnBrk="1" latinLnBrk="0" hangingPunct="1">
+              <a:lnSpc>
+                <a:spcPct val="90000"/>
+              </a:lnSpc>
+              <a:spcBef>
+                <a:spcPts val="500"/>
+              </a:spcBef>
+              <a:buFont typeface="Arial" panose="020B0604020202020204" pitchFamily="34" charset="0"/>
+              <a:buChar char="•"/>
+              <a:defRPr sz="2400" kern="1200">
+                <a:solidFill>
+                  <a:schemeClr val="tx1"/>
+                </a:solidFill>
+                <a:latin typeface="+mn-lt"/>
+                <a:ea typeface="+mn-ea"/>
+                <a:cs typeface="+mn-cs"/>
+              </a:defRPr>
+            </a:lvl2pPr>
+            <a:lvl3pPr marL="1143000" indent="-228600" algn="l" defTabSz="914400" rtl="0" eaLnBrk="1" latinLnBrk="0" hangingPunct="1">
+              <a:lnSpc>
+                <a:spcPct val="90000"/>
+              </a:lnSpc>
+              <a:spcBef>
+                <a:spcPts val="500"/>
+              </a:spcBef>
+              <a:buFont typeface="Arial" panose="020B0604020202020204" pitchFamily="34" charset="0"/>
+              <a:buChar char="•"/>
+              <a:defRPr sz="2000" kern="1200">
+                <a:solidFill>
+                  <a:schemeClr val="tx1"/>
+                </a:solidFill>
+                <a:latin typeface="+mn-lt"/>
+                <a:ea typeface="+mn-ea"/>
+                <a:cs typeface="+mn-cs"/>
+              </a:defRPr>
+            </a:lvl3pPr>
+            <a:lvl4pPr marL="1600200" indent="-228600" algn="l" defTabSz="914400" rtl="0" eaLnBrk="1" latinLnBrk="0" hangingPunct="1">
+              <a:lnSpc>
+                <a:spcPct val="90000"/>
+              </a:lnSpc>
+              <a:spcBef>
+                <a:spcPts val="500"/>
+              </a:spcBef>
+              <a:buFont typeface="Arial" panose="020B0604020202020204" pitchFamily="34" charset="0"/>
+              <a:buChar char="•"/>
+              <a:defRPr sz="1800" kern="1200">
+                <a:solidFill>
+                  <a:schemeClr val="tx1"/>
+                </a:solidFill>
+                <a:latin typeface="+mn-lt"/>
+                <a:ea typeface="+mn-ea"/>
+                <a:cs typeface="+mn-cs"/>
+              </a:defRPr>
+            </a:lvl4pPr>
+            <a:lvl5pPr marL="2057400" indent="-228600" algn="l" defTabSz="914400" rtl="0" eaLnBrk="1" latinLnBrk="0" hangingPunct="1">
+              <a:lnSpc>
+                <a:spcPct val="90000"/>
+              </a:lnSpc>
+              <a:spcBef>
+                <a:spcPts val="500"/>
+              </a:spcBef>
+              <a:buFont typeface="Arial" panose="020B0604020202020204" pitchFamily="34" charset="0"/>
+              <a:buChar char="•"/>
+              <a:defRPr sz="1800" kern="1200">
+                <a:solidFill>
+                  <a:schemeClr val="tx1"/>
+                </a:solidFill>
+                <a:latin typeface="+mn-lt"/>
+                <a:ea typeface="+mn-ea"/>
+                <a:cs typeface="+mn-cs"/>
+              </a:defRPr>
+            </a:lvl5pPr>
+            <a:lvl6pPr marL="2514600" indent="-228600" algn="l" defTabSz="914400" rtl="0" eaLnBrk="1" latinLnBrk="0" hangingPunct="1">
+              <a:lnSpc>
+                <a:spcPct val="90000"/>
+              </a:lnSpc>
+              <a:spcBef>
+                <a:spcPts val="500"/>
+              </a:spcBef>
+              <a:buFont typeface="Arial" panose="020B0604020202020204" pitchFamily="34" charset="0"/>
+              <a:buChar char="•"/>
+              <a:defRPr sz="1800" kern="1200">
+                <a:solidFill>
+                  <a:schemeClr val="tx1"/>
+                </a:solidFill>
+                <a:latin typeface="+mn-lt"/>
+                <a:ea typeface="+mn-ea"/>
+                <a:cs typeface="+mn-cs"/>
+              </a:defRPr>
+            </a:lvl6pPr>
+            <a:lvl7pPr marL="2971800" indent="-228600" algn="l" defTabSz="914400" rtl="0" eaLnBrk="1" latinLnBrk="0" hangingPunct="1">
+              <a:lnSpc>
+                <a:spcPct val="90000"/>
+              </a:lnSpc>
+              <a:spcBef>
+                <a:spcPts val="500"/>
+              </a:spcBef>
+              <a:buFont typeface="Arial" panose="020B0604020202020204" pitchFamily="34" charset="0"/>
+              <a:buChar char="•"/>
+              <a:defRPr sz="1800" kern="1200">
+                <a:solidFill>
+                  <a:schemeClr val="tx1"/>
+                </a:solidFill>
+                <a:latin typeface="+mn-lt"/>
+                <a:ea typeface="+mn-ea"/>
+                <a:cs typeface="+mn-cs"/>
+              </a:defRPr>
+            </a:lvl7pPr>
+            <a:lvl8pPr marL="3429000" indent="-228600" algn="l" defTabSz="914400" rtl="0" eaLnBrk="1" latinLnBrk="0" hangingPunct="1">
+              <a:lnSpc>
+                <a:spcPct val="90000"/>
+              </a:lnSpc>
+              <a:spcBef>
+                <a:spcPts val="500"/>
+              </a:spcBef>
+              <a:buFont typeface="Arial" panose="020B0604020202020204" pitchFamily="34" charset="0"/>
+              <a:buChar char="•"/>
+              <a:defRPr sz="1800" kern="1200">
+                <a:solidFill>
+                  <a:schemeClr val="tx1"/>
+                </a:solidFill>
+                <a:latin typeface="+mn-lt"/>
+                <a:ea typeface="+mn-ea"/>
+                <a:cs typeface="+mn-cs"/>
+              </a:defRPr>
+            </a:lvl8pPr>
+            <a:lvl9pPr marL="3886200" indent="-228600" algn="l" defTabSz="914400" rtl="0" eaLnBrk="1" latinLnBrk="0" hangingPunct="1">
+              <a:lnSpc>
+                <a:spcPct val="90000"/>
+              </a:lnSpc>
+              <a:spcBef>
+                <a:spcPts val="500"/>
+              </a:spcBef>
+              <a:buFont typeface="Arial" panose="020B0604020202020204" pitchFamily="34" charset="0"/>
+              <a:buChar char="•"/>
+              <a:defRPr sz="1800" kern="1200">
+                <a:solidFill>
+                  <a:schemeClr val="tx1"/>
+                </a:solidFill>
+                <a:latin typeface="+mn-lt"/>
+                <a:ea typeface="+mn-ea"/>
+                <a:cs typeface="+mn-cs"/>
+              </a:defRPr>
+            </a:lvl9pPr>
+          </a:lstStyle>
+          <a:p>
+            <a:r>
+              <a:rPr lang="en-US" sz="2000" b="1" dirty="0"/>
+              <a:t>Candidate Models CV score:</a:t>
+            </a:r>
+          </a:p>
+          <a:p>
+            <a:pPr lvl="1"/>
+            <a:r>
+              <a:rPr lang="en-US" sz="2000" dirty="0"/>
+              <a:t>Logistic Regression: </a:t>
+            </a:r>
+            <a:r>
+              <a:rPr lang="en-US" altLang="zh-CN" sz="2000" dirty="0"/>
+              <a:t>0.573</a:t>
+            </a:r>
+            <a:endParaRPr lang="en-US" sz="2000" dirty="0"/>
+          </a:p>
+          <a:p>
+            <a:pPr lvl="1"/>
+            <a:r>
+              <a:rPr lang="en-US" sz="2000" dirty="0"/>
+              <a:t>Random Forest</a:t>
+            </a:r>
+            <a:r>
+              <a:rPr lang="en-US" altLang="zh-CN" sz="2000" dirty="0"/>
+              <a:t> (</a:t>
+            </a:r>
+            <a:r>
+              <a:rPr lang="en-US" altLang="zh-CN" sz="2000" b="1" dirty="0"/>
+              <a:t>Selected</a:t>
+            </a:r>
+            <a:r>
+              <a:rPr lang="en-US" altLang="zh-CN" sz="2000" dirty="0"/>
+              <a:t>)</a:t>
+            </a:r>
+            <a:r>
+              <a:rPr lang="en-US" sz="2000" dirty="0"/>
+              <a:t>: </a:t>
+            </a:r>
+            <a:r>
+              <a:rPr lang="en-US" altLang="zh-CN" sz="2000" dirty="0"/>
+              <a:t>0.705</a:t>
+            </a:r>
+            <a:endParaRPr lang="en-US" sz="2000" dirty="0"/>
+          </a:p>
+          <a:p>
+            <a:pPr lvl="1"/>
+            <a:r>
+              <a:rPr lang="en-US" sz="2000" dirty="0"/>
+              <a:t>Gradient Boost:</a:t>
+            </a:r>
+            <a:r>
+              <a:rPr lang="en-US" altLang="zh-CN" sz="2000" dirty="0"/>
+              <a:t> 0.696</a:t>
+            </a:r>
+          </a:p>
+          <a:p>
+            <a:pPr marL="457200" lvl="1"/>
+            <a:endParaRPr lang="en-US" sz="2000" dirty="0"/>
+          </a:p>
+          <a:p>
+            <a:r>
+              <a:rPr lang="en-US" sz="2000" b="1" dirty="0"/>
+              <a:t>Optimize </a:t>
+            </a:r>
+            <a:r>
+              <a:rPr lang="en-US" sz="2000" b="1" dirty="0" err="1"/>
+              <a:t>max_depth</a:t>
+            </a:r>
+            <a:r>
+              <a:rPr lang="en-US" sz="2000" b="1" dirty="0"/>
+              <a:t> by CV:</a:t>
+            </a:r>
+          </a:p>
+          <a:p>
+            <a:pPr lvl="1"/>
+            <a:r>
+              <a:rPr lang="en-US" sz="2000" dirty="0"/>
+              <a:t>Best </a:t>
+            </a:r>
+            <a:r>
+              <a:rPr lang="en-US" sz="2000" dirty="0" err="1"/>
+              <a:t>max_depth</a:t>
+            </a:r>
+            <a:r>
+              <a:rPr lang="en-US" sz="2000" dirty="0"/>
+              <a:t> is 8</a:t>
+            </a:r>
+          </a:p>
+          <a:p>
+            <a:pPr lvl="1"/>
+            <a:r>
+              <a:rPr lang="en-US" sz="2000" dirty="0"/>
+              <a:t>ROC AUC improves for 0.704 to 0.730 </a:t>
+            </a:r>
+          </a:p>
+          <a:p>
+            <a:pPr marL="457200" lvl="1"/>
+            <a:endParaRPr lang="en-US" sz="2000" dirty="0"/>
+          </a:p>
+          <a:p>
+            <a:r>
+              <a:rPr lang="en-US" sz="2000" b="1" dirty="0"/>
+              <a:t>Final score on test dataset</a:t>
+            </a:r>
+            <a:r>
+              <a:rPr lang="en-US" sz="2000" dirty="0"/>
+              <a:t>:  0.730</a:t>
+            </a:r>
+          </a:p>
+          <a:p>
+            <a:endParaRPr lang="en-US" sz="2000" dirty="0"/>
+          </a:p>
+        </p:txBody>
+      </p:sp>
+      <p:grpSp>
+        <p:nvGrpSpPr>
+          <p:cNvPr id="51" name="Group 43">
+            <a:extLst>
+              <a:ext uri="{FF2B5EF4-FFF2-40B4-BE49-F238E27FC236}">
+                <a16:creationId xmlns:a16="http://schemas.microsoft.com/office/drawing/2014/main" id="{828A5161-06F1-46CF-8AD7-844680A59E13}"/>
               </a:ext>
               <a:ext uri="{C183D7F6-B498-43B3-948B-1728B52AA6E4}">
                 <adec:decorative xmlns:adec="http://schemas.microsoft.com/office/drawing/2017/decorative" val="1"/>
               </a:ext>
             </a:extLst>
           </p:cNvPr>
-          <p:cNvSpPr>
-            <a:spLocks noGrp="1" noRot="1" noChangeAspect="1" noMove="1" noResize="1" noEditPoints="1" noAdjustHandles="1" noChangeArrowheads="1" noChangeShapeType="1" noTextEdit="1"/>
-          </p:cNvSpPr>
+          <p:cNvGrpSpPr>
+            <a:grpSpLocks noGrp="1" noUngrp="1" noRot="1" noChangeAspect="1" noMove="1" noResize="1"/>
+          </p:cNvGrpSpPr>
           <p:nvPr>
             <p:extLst>
               <p:ext uri="{386F3935-93C4-4BCD-93E2-E3B085C9AB24}">
@@ -5986,69 +6420,189 @@
               </p:ext>
             </p:extLst>
           </p:nvPr>
-        </p:nvSpPr>
+        </p:nvGrpSpPr>
+        <p:grpSpPr>
+          <a:xfrm>
+            <a:off x="0" y="4601497"/>
+            <a:ext cx="1014060" cy="2017580"/>
+            <a:chOff x="0" y="4601497"/>
+            <a:chExt cx="1014060" cy="2017580"/>
+          </a:xfrm>
+        </p:grpSpPr>
+        <p:sp>
+          <p:nvSpPr>
+            <p:cNvPr id="45" name="Isosceles Triangle 44">
+              <a:extLst>
+                <a:ext uri="{FF2B5EF4-FFF2-40B4-BE49-F238E27FC236}">
+                  <a16:creationId xmlns:a16="http://schemas.microsoft.com/office/drawing/2014/main" id="{D3F51FEB-38FB-4F6C-9F7B-2F2AFAB65463}"/>
+                </a:ext>
+                <a:ext uri="{C183D7F6-B498-43B3-948B-1728B52AA6E4}">
+                  <adec:decorative xmlns:adec="http://schemas.microsoft.com/office/drawing/2017/decorative" val="1"/>
+                </a:ext>
+              </a:extLst>
+            </p:cNvPr>
+            <p:cNvSpPr/>
+            <p:nvPr>
+              <p:extLst>
+                <p:ext uri="{386F3935-93C4-4BCD-93E2-E3B085C9AB24}">
+                  <p16:designElem xmlns:p16="http://schemas.microsoft.com/office/powerpoint/2015/main" val="1"/>
+                </p:ext>
+              </p:extLst>
+            </p:nvPr>
+          </p:nvSpPr>
+          <p:spPr>
+            <a:xfrm rot="5400000">
+              <a:off x="-501760" y="5103257"/>
+              <a:ext cx="2017580" cy="1014060"/>
+            </a:xfrm>
+            <a:prstGeom prst="triangle">
+              <a:avLst>
+                <a:gd name="adj" fmla="val 50000"/>
+              </a:avLst>
+            </a:prstGeom>
+            <a:solidFill>
+              <a:schemeClr val="accent1">
+                <a:alpha val="30000"/>
+              </a:schemeClr>
+            </a:solidFill>
+            <a:ln>
+              <a:noFill/>
+            </a:ln>
+          </p:spPr>
+          <p:style>
+            <a:lnRef idx="2">
+              <a:schemeClr val="accent1">
+                <a:shade val="50000"/>
+              </a:schemeClr>
+            </a:lnRef>
+            <a:fillRef idx="1">
+              <a:schemeClr val="accent1"/>
+            </a:fillRef>
+            <a:effectRef idx="0">
+              <a:schemeClr val="accent1"/>
+            </a:effectRef>
+            <a:fontRef idx="minor">
+              <a:schemeClr val="lt1"/>
+            </a:fontRef>
+          </p:style>
+          <p:txBody>
+            <a:bodyPr rtlCol="0" anchor="ctr"/>
+            <a:lstStyle/>
+            <a:p>
+              <a:pPr algn="ctr"/>
+              <a:endParaRPr lang="en-US"/>
+            </a:p>
+          </p:txBody>
+        </p:sp>
+        <p:sp>
+          <p:nvSpPr>
+            <p:cNvPr id="46" name="Rectangle 45">
+              <a:extLst>
+                <a:ext uri="{FF2B5EF4-FFF2-40B4-BE49-F238E27FC236}">
+                  <a16:creationId xmlns:a16="http://schemas.microsoft.com/office/drawing/2014/main" id="{1E547BA6-BAE0-43BB-A7CA-60F69CE252F0}"/>
+                </a:ext>
+                <a:ext uri="{C183D7F6-B498-43B3-948B-1728B52AA6E4}">
+                  <adec:decorative xmlns:adec="http://schemas.microsoft.com/office/drawing/2017/decorative" val="1"/>
+                </a:ext>
+              </a:extLst>
+            </p:cNvPr>
+            <p:cNvSpPr/>
+            <p:nvPr>
+              <p:extLst>
+                <p:ext uri="{386F3935-93C4-4BCD-93E2-E3B085C9AB24}">
+                  <p16:designElem xmlns:p16="http://schemas.microsoft.com/office/powerpoint/2015/main" val="1"/>
+                </p:ext>
+              </p:extLst>
+            </p:nvPr>
+          </p:nvSpPr>
+          <p:spPr>
+            <a:xfrm rot="2700000">
+              <a:off x="427916" y="5728708"/>
+              <a:ext cx="485578" cy="485578"/>
+            </a:xfrm>
+            <a:prstGeom prst="rect">
+              <a:avLst/>
+            </a:prstGeom>
+            <a:solidFill>
+              <a:schemeClr val="accent1">
+                <a:alpha val="30000"/>
+              </a:schemeClr>
+            </a:solidFill>
+            <a:ln>
+              <a:noFill/>
+            </a:ln>
+          </p:spPr>
+          <p:style>
+            <a:lnRef idx="2">
+              <a:schemeClr val="accent1">
+                <a:shade val="50000"/>
+              </a:schemeClr>
+            </a:lnRef>
+            <a:fillRef idx="1">
+              <a:schemeClr val="accent1"/>
+            </a:fillRef>
+            <a:effectRef idx="0">
+              <a:schemeClr val="accent1"/>
+            </a:effectRef>
+            <a:fontRef idx="minor">
+              <a:schemeClr val="lt1"/>
+            </a:fontRef>
+          </p:style>
+          <p:txBody>
+            <a:bodyPr rtlCol="0" anchor="ctr"/>
+            <a:lstStyle/>
+            <a:p>
+              <a:pPr algn="ctr"/>
+              <a:endParaRPr lang="en-US"/>
+            </a:p>
+          </p:txBody>
+        </p:sp>
+      </p:grpSp>
+      <p:pic>
+        <p:nvPicPr>
+          <p:cNvPr id="3" name="Picture 2" descr="A picture containing chart&#10;&#10;Description automatically generated">
+            <a:extLst>
+              <a:ext uri="{FF2B5EF4-FFF2-40B4-BE49-F238E27FC236}">
+                <a16:creationId xmlns:a16="http://schemas.microsoft.com/office/drawing/2014/main" id="{282FCD8A-6CC7-D140-9746-029D85225F86}"/>
+              </a:ext>
+            </a:extLst>
+          </p:cNvPr>
+          <p:cNvPicPr>
+            <a:picLocks noChangeAspect="1"/>
+          </p:cNvPicPr>
+          <p:nvPr/>
+        </p:nvPicPr>
+        <p:blipFill>
+          <a:blip r:embed="rId2"/>
+          <a:stretch>
+            <a:fillRect/>
+          </a:stretch>
+        </p:blipFill>
         <p:spPr>
           <a:xfrm>
-            <a:off x="477012" y="480060"/>
-            <a:ext cx="11237976" cy="5897880"/>
+            <a:off x="5295320" y="1879523"/>
+            <a:ext cx="6253212" cy="4168808"/>
           </a:xfrm>
           <a:prstGeom prst="rect">
             <a:avLst/>
           </a:prstGeom>
-          <a:solidFill>
-            <a:srgbClr val="FFFFFF"/>
-          </a:solidFill>
-          <a:ln w="9525">
-            <a:noFill/>
-          </a:ln>
-          <a:effectLst>
-            <a:outerShdw blurRad="63500" dist="17780" dir="5400000" algn="t" rotWithShape="0">
-              <a:prstClr val="black">
-                <a:alpha val="43000"/>
-              </a:prstClr>
-            </a:outerShdw>
-          </a:effectLst>
         </p:spPr>
-        <p:style>
-          <a:lnRef idx="2">
-            <a:schemeClr val="accent1">
-              <a:shade val="50000"/>
-            </a:schemeClr>
-          </a:lnRef>
-          <a:fillRef idx="1">
-            <a:schemeClr val="accent1"/>
-          </a:fillRef>
-          <a:effectRef idx="0">
-            <a:schemeClr val="accent1"/>
-          </a:effectRef>
-          <a:fontRef idx="minor">
-            <a:schemeClr val="lt1"/>
-          </a:fontRef>
-        </p:style>
-        <p:txBody>
-          <a:bodyPr rtlCol="0" anchor="ctr"/>
-          <a:lstStyle/>
-          <a:p>
-            <a:pPr algn="ctr"/>
-            <a:endParaRPr lang="en-US"/>
-          </a:p>
-        </p:txBody>
-      </p:sp>
-      <p:cxnSp>
-        <p:nvCxnSpPr>
-          <p:cNvPr id="23" name="Straight Connector 22">
-            <a:extLst>
-              <a:ext uri="{FF2B5EF4-FFF2-40B4-BE49-F238E27FC236}">
-                <a16:creationId xmlns:a16="http://schemas.microsoft.com/office/drawing/2014/main" id="{8C730EAB-A532-4295-A302-FB4B90DB9F5E}"/>
+      </p:pic>
+      <p:grpSp>
+        <p:nvGrpSpPr>
+          <p:cNvPr id="48" name="Group 47">
+            <a:extLst>
+              <a:ext uri="{FF2B5EF4-FFF2-40B4-BE49-F238E27FC236}">
+                <a16:creationId xmlns:a16="http://schemas.microsoft.com/office/drawing/2014/main" id="{5995D10D-E9C9-47DB-AE7E-801FEF38F5C9}"/>
               </a:ext>
               <a:ext uri="{C183D7F6-B498-43B3-948B-1728B52AA6E4}">
                 <adec:decorative xmlns:adec="http://schemas.microsoft.com/office/drawing/2017/decorative" val="1"/>
               </a:ext>
             </a:extLst>
           </p:cNvPr>
-          <p:cNvCxnSpPr>
-            <a:cxnSpLocks noGrp="1" noRot="1" noChangeAspect="1" noMove="1" noResize="1" noEditPoints="1" noAdjustHandles="1" noChangeArrowheads="1" noChangeShapeType="1"/>
-          </p:cNvCxnSpPr>
+          <p:cNvGrpSpPr>
+            <a:grpSpLocks noGrp="1" noUngrp="1" noRot="1" noChangeAspect="1" noMove="1" noResize="1"/>
+          </p:cNvGrpSpPr>
           <p:nvPr>
             <p:extLst>
               <p:ext uri="{386F3935-93C4-4BCD-93E2-E3B085C9AB24}">
@@ -6056,161 +6610,148 @@
               </p:ext>
             </p:extLst>
           </p:nvPr>
-        </p:nvCxnSpPr>
-        <p:spPr>
+        </p:nvGrpSpPr>
+        <p:grpSpPr>
           <a:xfrm>
-            <a:off x="6079958" y="1143000"/>
-            <a:ext cx="0" cy="4572000"/>
+            <a:off x="11219290" y="1"/>
+            <a:ext cx="972709" cy="1935307"/>
+            <a:chOff x="10918968" y="713127"/>
+            <a:chExt cx="1273032" cy="2532832"/>
           </a:xfrm>
-          <a:prstGeom prst="line">
-            <a:avLst/>
-          </a:prstGeom>
-          <a:ln>
+        </p:grpSpPr>
+        <p:sp>
+          <p:nvSpPr>
+            <p:cNvPr id="49" name="Rectangle 48">
+              <a:extLst>
+                <a:ext uri="{FF2B5EF4-FFF2-40B4-BE49-F238E27FC236}">
+                  <a16:creationId xmlns:a16="http://schemas.microsoft.com/office/drawing/2014/main" id="{CC1A72C6-3DE4-4EC3-9AD5-9E0D40D8CE8A}"/>
+                </a:ext>
+                <a:ext uri="{C183D7F6-B498-43B3-948B-1728B52AA6E4}">
+                  <adec:decorative xmlns:adec="http://schemas.microsoft.com/office/drawing/2017/decorative" val="1"/>
+                </a:ext>
+              </a:extLst>
+            </p:cNvPr>
+            <p:cNvSpPr/>
+            <p:nvPr>
+              <p:extLst>
+                <p:ext uri="{386F3935-93C4-4BCD-93E2-E3B085C9AB24}">
+                  <p16:designElem xmlns:p16="http://schemas.microsoft.com/office/powerpoint/2015/main" val="1"/>
+                </p:ext>
+              </p:extLst>
+            </p:nvPr>
+          </p:nvSpPr>
+          <p:spPr>
+            <a:xfrm rot="2700000">
+              <a:off x="11052629" y="2120024"/>
+              <a:ext cx="645368" cy="645368"/>
+            </a:xfrm>
+            <a:prstGeom prst="rect">
+              <a:avLst/>
+            </a:prstGeom>
             <a:solidFill>
-              <a:srgbClr val="4E4E4E"/>
+              <a:schemeClr val="accent4">
+                <a:alpha val="30000"/>
+              </a:schemeClr>
             </a:solidFill>
-          </a:ln>
-        </p:spPr>
-        <p:style>
-          <a:lnRef idx="1">
-            <a:schemeClr val="accent1"/>
-          </a:lnRef>
-          <a:fillRef idx="0">
-            <a:schemeClr val="accent1"/>
-          </a:fillRef>
-          <a:effectRef idx="0">
-            <a:schemeClr val="accent1"/>
-          </a:effectRef>
-          <a:fontRef idx="minor">
-            <a:schemeClr val="tx1"/>
-          </a:fontRef>
-        </p:style>
-      </p:cxnSp>
-      <p:sp>
-        <p:nvSpPr>
-          <p:cNvPr id="20" name="TextBox 19">
-            <a:extLst>
-              <a:ext uri="{FF2B5EF4-FFF2-40B4-BE49-F238E27FC236}">
-                <a16:creationId xmlns:a16="http://schemas.microsoft.com/office/drawing/2014/main" id="{97F5A058-ECDA-364B-8FAC-C025A7CDB02F}"/>
-              </a:ext>
-            </a:extLst>
-          </p:cNvPr>
-          <p:cNvSpPr txBox="1"/>
-          <p:nvPr/>
-        </p:nvSpPr>
-        <p:spPr>
-          <a:xfrm>
-            <a:off x="643466" y="494768"/>
-            <a:ext cx="10800815" cy="400110"/>
-          </a:xfrm>
-          <a:prstGeom prst="rect">
-            <a:avLst/>
-          </a:prstGeom>
-          <a:noFill/>
-        </p:spPr>
-        <p:txBody>
-          <a:bodyPr wrap="square" rtlCol="0">
-            <a:spAutoFit/>
-          </a:bodyPr>
-          <a:lstStyle/>
-          <a:p>
-            <a:r>
-              <a:rPr lang="en-US" sz="2000" b="1" i="1" dirty="0"/>
-              <a:t>One Step Further: Building an ensemble model</a:t>
-            </a:r>
-          </a:p>
-        </p:txBody>
-      </p:sp>
-      <p:sp>
-        <p:nvSpPr>
-          <p:cNvPr id="13" name="Content Placeholder 2">
-            <a:extLst>
-              <a:ext uri="{FF2B5EF4-FFF2-40B4-BE49-F238E27FC236}">
-                <a16:creationId xmlns:a16="http://schemas.microsoft.com/office/drawing/2014/main" id="{575586DF-38CD-3441-B70A-911397891C6F}"/>
-              </a:ext>
-            </a:extLst>
-          </p:cNvPr>
-          <p:cNvSpPr>
-            <a:spLocks noGrp="1"/>
-          </p:cNvSpPr>
-          <p:nvPr>
-            <p:ph idx="1"/>
-          </p:nvPr>
-        </p:nvSpPr>
-        <p:spPr>
-          <a:xfrm>
-            <a:off x="755073" y="1374938"/>
-            <a:ext cx="4196937" cy="1968851"/>
-          </a:xfrm>
-        </p:spPr>
-        <p:txBody>
-          <a:bodyPr>
-            <a:normAutofit/>
-          </a:bodyPr>
-          <a:lstStyle/>
-          <a:p>
-            <a:r>
-              <a:rPr lang="en-US" sz="2000" b="1" dirty="0"/>
-              <a:t>Base Model</a:t>
-            </a:r>
-            <a:r>
-              <a:rPr lang="en-US" sz="1900" b="1" dirty="0"/>
-              <a:t>:</a:t>
-            </a:r>
-          </a:p>
-          <a:p>
-            <a:pPr lvl="1">
-              <a:buFont typeface="Courier New" panose="02070309020205020404" pitchFamily="49" charset="0"/>
-              <a:buChar char="o"/>
-            </a:pPr>
-            <a:r>
-              <a:rPr lang="en-US" sz="1900" dirty="0"/>
-              <a:t>Logistic Regression</a:t>
-            </a:r>
-          </a:p>
-          <a:p>
-            <a:pPr lvl="1">
-              <a:buFont typeface="Courier New" panose="02070309020205020404" pitchFamily="49" charset="0"/>
-              <a:buChar char="o"/>
-            </a:pPr>
-            <a:r>
-              <a:rPr lang="en-US" sz="1900" dirty="0"/>
-              <a:t>Random Forest</a:t>
-            </a:r>
-          </a:p>
-          <a:p>
-            <a:pPr lvl="1">
-              <a:buFont typeface="Courier New" panose="02070309020205020404" pitchFamily="49" charset="0"/>
-              <a:buChar char="o"/>
-            </a:pPr>
-            <a:r>
-              <a:rPr lang="en-US" sz="1900" dirty="0"/>
-              <a:t>Gradient Boost</a:t>
-            </a:r>
-          </a:p>
-          <a:p>
-            <a:r>
-              <a:rPr lang="en-US" sz="2000" b="1" dirty="0"/>
-              <a:t>Ensemble Method</a:t>
-            </a:r>
-            <a:r>
-              <a:rPr lang="en-US" sz="2200" b="1" dirty="0"/>
-              <a:t>: </a:t>
-            </a:r>
-            <a:r>
-              <a:rPr lang="en-US" sz="1900" dirty="0"/>
-              <a:t>Voting Classifier</a:t>
-            </a:r>
-          </a:p>
-          <a:p>
-            <a:endParaRPr lang="en-US" dirty="0"/>
-          </a:p>
-        </p:txBody>
-      </p:sp>
+            <a:ln>
+              <a:noFill/>
+            </a:ln>
+          </p:spPr>
+          <p:style>
+            <a:lnRef idx="2">
+              <a:schemeClr val="accent1">
+                <a:shade val="50000"/>
+              </a:schemeClr>
+            </a:lnRef>
+            <a:fillRef idx="1">
+              <a:schemeClr val="accent1"/>
+            </a:fillRef>
+            <a:effectRef idx="0">
+              <a:schemeClr val="accent1"/>
+            </a:effectRef>
+            <a:fontRef idx="minor">
+              <a:schemeClr val="lt1"/>
+            </a:fontRef>
+          </p:style>
+          <p:txBody>
+            <a:bodyPr rtlCol="0" anchor="ctr"/>
+            <a:lstStyle/>
+            <a:p>
+              <a:pPr algn="ctr"/>
+              <a:endParaRPr lang="en-US"/>
+            </a:p>
+          </p:txBody>
+        </p:sp>
+        <p:sp>
+          <p:nvSpPr>
+            <p:cNvPr id="50" name="Isosceles Triangle 49">
+              <a:extLst>
+                <a:ext uri="{FF2B5EF4-FFF2-40B4-BE49-F238E27FC236}">
+                  <a16:creationId xmlns:a16="http://schemas.microsoft.com/office/drawing/2014/main" id="{0B0DA1F1-C391-4EDF-9FE0-23E86E137765}"/>
+                </a:ext>
+                <a:ext uri="{C183D7F6-B498-43B3-948B-1728B52AA6E4}">
+                  <adec:decorative xmlns:adec="http://schemas.microsoft.com/office/drawing/2017/decorative" val="1"/>
+                </a:ext>
+              </a:extLst>
+            </p:cNvPr>
+            <p:cNvSpPr/>
+            <p:nvPr>
+              <p:extLst>
+                <p:ext uri="{386F3935-93C4-4BCD-93E2-E3B085C9AB24}">
+                  <p16:designElem xmlns:p16="http://schemas.microsoft.com/office/powerpoint/2015/main" val="1"/>
+                </p:ext>
+              </p:extLst>
+            </p:nvPr>
+          </p:nvSpPr>
+          <p:spPr>
+            <a:xfrm rot="16200000">
+              <a:off x="10289068" y="1343027"/>
+              <a:ext cx="2532832" cy="1273032"/>
+            </a:xfrm>
+            <a:prstGeom prst="triangle">
+              <a:avLst>
+                <a:gd name="adj" fmla="val 50000"/>
+              </a:avLst>
+            </a:prstGeom>
+            <a:solidFill>
+              <a:schemeClr val="accent4">
+                <a:alpha val="30000"/>
+              </a:schemeClr>
+            </a:solidFill>
+            <a:ln>
+              <a:noFill/>
+            </a:ln>
+          </p:spPr>
+          <p:style>
+            <a:lnRef idx="2">
+              <a:schemeClr val="accent1">
+                <a:shade val="50000"/>
+              </a:schemeClr>
+            </a:lnRef>
+            <a:fillRef idx="1">
+              <a:schemeClr val="accent1"/>
+            </a:fillRef>
+            <a:effectRef idx="0">
+              <a:schemeClr val="accent1"/>
+            </a:effectRef>
+            <a:fontRef idx="minor">
+              <a:schemeClr val="lt1"/>
+            </a:fontRef>
+          </p:style>
+          <p:txBody>
+            <a:bodyPr rtlCol="0" anchor="ctr"/>
+            <a:lstStyle/>
+            <a:p>
+              <a:pPr algn="ctr"/>
+              <a:endParaRPr lang="en-US" dirty="0"/>
+            </a:p>
+          </p:txBody>
+        </p:sp>
+      </p:grpSp>
     </p:spTree>
     <p:extLst>
       <p:ext uri="{BB962C8B-B14F-4D97-AF65-F5344CB8AC3E}">
-        <p14:creationId xmlns:p14="http://schemas.microsoft.com/office/powerpoint/2010/main" val="187216158"/>
+        <p14:creationId xmlns:p14="http://schemas.microsoft.com/office/powerpoint/2010/main" val="1691981680"/>
       </p:ext>
     </p:extLst>
   </p:cSld>
@@ -6475,8 +7016,8 @@
         </p:nvSpPr>
         <p:spPr>
           <a:xfrm>
-            <a:off x="838200" y="2141537"/>
-            <a:ext cx="5419725" cy="4351338"/>
+            <a:off x="838201" y="2141537"/>
+            <a:ext cx="5419724" cy="4351338"/>
           </a:xfrm>
         </p:spPr>
         <p:txBody>
@@ -6497,15 +7038,7 @@
             </a:pPr>
             <a:r>
               <a:rPr lang="en-US" sz="1800" dirty="0"/>
-              <a:t>New applicants’ </a:t>
-            </a:r>
-            <a:r>
-              <a:rPr lang="en-US" sz="1800"/>
-              <a:t>behavior are </a:t>
-            </a:r>
-            <a:r>
-              <a:rPr lang="en-US" sz="1800" dirty="0"/>
-              <a:t>similar to old clients. </a:t>
+              <a:t>New applicants’ behavior are similar to old clients. </a:t>
             </a:r>
           </a:p>
           <a:p>
